--- a/poster/final_draft.pptx
+++ b/poster/final_draft.pptx
@@ -4569,90 +4569,6 @@
           </p:txBody>
         </p:sp>
       </p:grpSp>
-      <p:grpSp>
-        <p:nvGrpSpPr>
-          <p:cNvPr id="7" name="Group 6"/>
-          <p:cNvGrpSpPr/>
-          <p:nvPr/>
-        </p:nvGrpSpPr>
-        <p:grpSpPr>
-          <a:xfrm>
-            <a:off x="28091539" y="18661525"/>
-            <a:ext cx="7315200" cy="3222158"/>
-            <a:chOff x="19545300" y="20858768"/>
-            <a:chExt cx="7315200" cy="3222158"/>
-          </a:xfrm>
-        </p:grpSpPr>
-        <p:pic>
-          <p:nvPicPr>
-            <p:cNvPr id="113" name="Picture 112"/>
-            <p:cNvPicPr>
-              <a:picLocks noChangeAspect="1"/>
-            </p:cNvPicPr>
-            <p:nvPr/>
-          </p:nvPicPr>
-          <p:blipFill>
-            <a:blip r:embed="rId7">
-              <a:extLst>
-                <a:ext uri="{28A0092B-C50C-407E-A947-70E740481C1C}">
-                  <a14:useLocalDpi xmlns:a14="http://schemas.microsoft.com/office/drawing/2010/main" val="0"/>
-                </a:ext>
-              </a:extLst>
-            </a:blip>
-            <a:stretch>
-              <a:fillRect/>
-            </a:stretch>
-          </p:blipFill>
-          <p:spPr>
-            <a:xfrm>
-              <a:off x="19545300" y="20858768"/>
-              <a:ext cx="7315200" cy="3222158"/>
-            </a:xfrm>
-            <a:prstGeom prst="rect">
-              <a:avLst/>
-            </a:prstGeom>
-          </p:spPr>
-        </p:pic>
-        <p:sp>
-          <p:nvSpPr>
-            <p:cNvPr id="100" name="TextBox 99"/>
-            <p:cNvSpPr txBox="1"/>
-            <p:nvPr/>
-          </p:nvSpPr>
-          <p:spPr>
-            <a:xfrm>
-              <a:off x="21857296" y="21037954"/>
-              <a:ext cx="3235570" cy="830997"/>
-            </a:xfrm>
-            <a:prstGeom prst="rect">
-              <a:avLst/>
-            </a:prstGeom>
-            <a:noFill/>
-          </p:spPr>
-          <p:txBody>
-            <a:bodyPr wrap="square" rtlCol="0">
-              <a:spAutoFit/>
-            </a:bodyPr>
-            <a:lstStyle/>
-            <a:p>
-              <a:pPr algn="ctr"/>
-              <a:r>
-                <a:rPr lang="en-US" sz="2400" dirty="0" smtClean="0">
-                  <a:latin typeface="Calibri" charset="0"/>
-                  <a:ea typeface="Calibri" charset="0"/>
-                  <a:cs typeface="Calibri" charset="0"/>
-                </a:rPr>
-                <a:t>Global Defect Distribution </a:t>
-              </a:r>
-              <a:endParaRPr lang="en-US" sz="2400" dirty="0">
-                <a:latin typeface="Calibri" charset="0"/>
-                <a:ea typeface="Calibri" charset="0"/>
-                <a:cs typeface="Calibri" charset="0"/>
-              </a:endParaRPr>
-            </a:p>
-          </p:txBody>
-        </p:sp>
-      </p:grpSp>
       <p:sp>
         <p:nvSpPr>
           <p:cNvPr id="109" name="Rectangle 108"/>
@@ -5114,7 +5030,7 @@
           <p:nvPr/>
         </p:nvPicPr>
         <p:blipFill>
-          <a:blip r:embed="rId8" cstate="print"/>
+          <a:blip r:embed="rId7" cstate="print"/>
           <a:srcRect/>
           <a:stretch>
             <a:fillRect/>
@@ -5467,7 +5383,7 @@
           <p:nvPr/>
         </p:nvPicPr>
         <p:blipFill>
-          <a:blip r:embed="rId9"/>
+          <a:blip r:embed="rId8"/>
           <a:stretch>
             <a:fillRect/>
           </a:stretch>
@@ -6001,7 +5917,7 @@
           <p:nvPr/>
         </p:nvPicPr>
         <p:blipFill>
-          <a:blip r:embed="rId10">
+          <a:blip r:embed="rId9">
             <a:extLst>
               <a:ext uri="{28A0092B-C50C-407E-A947-70E740481C1C}">
                 <a14:useLocalDpi xmlns:a14="http://schemas.microsoft.com/office/drawing/2010/main" val="0"/>
@@ -7809,105 +7725,6 @@
           </p:txBody>
         </p:sp>
       </p:grpSp>
-      <p:grpSp>
-        <p:nvGrpSpPr>
-          <p:cNvPr id="26" name="Group 25"/>
-          <p:cNvGrpSpPr/>
-          <p:nvPr/>
-        </p:nvGrpSpPr>
-        <p:grpSpPr>
-          <a:xfrm>
-            <a:off x="27872984" y="22626886"/>
-            <a:ext cx="7808377" cy="3015422"/>
-            <a:chOff x="19108821" y="28943297"/>
-            <a:chExt cx="7808377" cy="3015422"/>
-          </a:xfrm>
-        </p:grpSpPr>
-        <p:pic>
-          <p:nvPicPr>
-            <p:cNvPr id="3" name="Picture 2"/>
-            <p:cNvPicPr>
-              <a:picLocks/>
-            </p:cNvPicPr>
-            <p:nvPr/>
-          </p:nvPicPr>
-          <p:blipFill>
-            <a:blip r:embed="rId11">
-              <a:extLst>
-                <a:ext uri="{28A0092B-C50C-407E-A947-70E740481C1C}">
-                  <a14:useLocalDpi xmlns:a14="http://schemas.microsoft.com/office/drawing/2010/main" val="0"/>
-                </a:ext>
-              </a:extLst>
-            </a:blip>
-            <a:stretch>
-              <a:fillRect/>
-            </a:stretch>
-          </p:blipFill>
-          <p:spPr>
-            <a:xfrm>
-              <a:off x="19108821" y="28943297"/>
-              <a:ext cx="7808377" cy="3015422"/>
-            </a:xfrm>
-            <a:prstGeom prst="rect">
-              <a:avLst/>
-            </a:prstGeom>
-          </p:spPr>
-        </p:pic>
-        <p:sp>
-          <p:nvSpPr>
-            <p:cNvPr id="98" name="TextBox 97"/>
-            <p:cNvSpPr txBox="1"/>
-            <p:nvPr/>
-          </p:nvSpPr>
-          <p:spPr>
-            <a:xfrm>
-              <a:off x="22066994" y="29309004"/>
-              <a:ext cx="2679424" cy="830997"/>
-            </a:xfrm>
-            <a:prstGeom prst="rect">
-              <a:avLst/>
-            </a:prstGeom>
-            <a:noFill/>
-          </p:spPr>
-          <p:txBody>
-            <a:bodyPr wrap="square" rtlCol="0">
-              <a:spAutoFit/>
-            </a:bodyPr>
-            <a:lstStyle/>
-            <a:p>
-              <a:pPr algn="ctr"/>
-              <a:r>
-                <a:rPr lang="en-US" sz="2400" dirty="0" smtClean="0">
-                  <a:latin typeface="Calibri" charset="0"/>
-                  <a:ea typeface="Calibri" charset="0"/>
-                  <a:cs typeface="Calibri" charset="0"/>
-                </a:rPr>
-                <a:t>Eastern Kentucky</a:t>
-              </a:r>
-              <a:br>
-                <a:rPr lang="en-US" sz="2400" dirty="0" smtClean="0">
-                  <a:latin typeface="Calibri" charset="0"/>
-                  <a:ea typeface="Calibri" charset="0"/>
-                  <a:cs typeface="Calibri" charset="0"/>
-                </a:rPr>
-              </a:br>
-              <a:r>
-                <a:rPr lang="en-US" sz="2400" dirty="0" smtClean="0">
-                  <a:latin typeface="Calibri" charset="0"/>
-                  <a:ea typeface="Calibri" charset="0"/>
-                  <a:cs typeface="Calibri" charset="0"/>
-                </a:rPr>
-                <a:t>Defect Distribution</a:t>
-              </a:r>
-              <a:endParaRPr lang="en-US" sz="2400" dirty="0">
-                <a:latin typeface="Calibri" charset="0"/>
-                <a:ea typeface="Calibri" charset="0"/>
-                <a:cs typeface="Calibri" charset="0"/>
-              </a:endParaRPr>
-            </a:p>
-          </p:txBody>
-        </p:sp>
-      </p:grpSp>
       <p:sp>
         <p:nvSpPr>
           <p:cNvPr id="10" name="TextBox 9"/>
@@ -7979,7 +7796,7 @@
           <p:nvPr/>
         </p:nvPicPr>
         <p:blipFill>
-          <a:blip r:embed="rId12">
+          <a:blip r:embed="rId10">
             <a:extLst>
               <a:ext uri="{28A0092B-C50C-407E-A947-70E740481C1C}">
                 <a14:useLocalDpi xmlns:a14="http://schemas.microsoft.com/office/drawing/2010/main" val="0"/>
@@ -8268,14 +8085,14 @@
       </p:sp>
       <p:sp>
         <p:nvSpPr>
-          <p:cNvPr id="106" name="TextBox 105"/>
+          <p:cNvPr id="116" name="TextBox 115"/>
           <p:cNvSpPr txBox="1"/>
           <p:nvPr/>
         </p:nvSpPr>
         <p:spPr>
           <a:xfrm>
-            <a:off x="28651553" y="26902923"/>
-            <a:ext cx="6993382" cy="3416320"/>
+            <a:off x="399068" y="20773191"/>
+            <a:ext cx="12651307" cy="3293209"/>
           </a:xfrm>
           <a:prstGeom prst="rect">
             <a:avLst/>
@@ -8288,103 +8105,6 @@
           </a:bodyPr>
           <a:lstStyle/>
           <a:p>
-            <a:pPr marL="233363" marR="0" lvl="0" indent="-233363" defTabSz="914400" eaLnBrk="1" fontAlgn="auto" latinLnBrk="0" hangingPunct="1">
-              <a:lnSpc>
-                <a:spcPct val="100000"/>
-              </a:lnSpc>
-              <a:spcBef>
-                <a:spcPts val="0"/>
-              </a:spcBef>
-              <a:spcAft>
-                <a:spcPts val="0"/>
-              </a:spcAft>
-              <a:buClrTx/>
-              <a:buSzTx/>
-              <a:buFont typeface="Arial" charset="0"/>
-              <a:buChar char="•"/>
-              <a:defRPr/>
-            </a:pPr>
-            <a:r>
-              <a:rPr lang="en-US" sz="3600" dirty="0" smtClean="0">
-                <a:latin typeface="Calibri" charset="0"/>
-                <a:ea typeface="Calibri" charset="0"/>
-                <a:cs typeface="Calibri" charset="0"/>
-              </a:rPr>
-              <a:t>We measure subdivision similarity by chi-square distance between defect distributions </a:t>
-            </a:r>
-          </a:p>
-          <a:p>
-            <a:pPr marL="233363" marR="0" lvl="0" indent="-233363" defTabSz="914400" eaLnBrk="1" fontAlgn="auto" latinLnBrk="0" hangingPunct="1">
-              <a:lnSpc>
-                <a:spcPct val="100000"/>
-              </a:lnSpc>
-              <a:spcBef>
-                <a:spcPts val="0"/>
-              </a:spcBef>
-              <a:spcAft>
-                <a:spcPts val="0"/>
-              </a:spcAft>
-              <a:buClrTx/>
-              <a:buSzTx/>
-              <a:buFont typeface="Arial" charset="0"/>
-              <a:buChar char="•"/>
-              <a:defRPr/>
-            </a:pPr>
-            <a:r>
-              <a:rPr lang="en-US" sz="3600" dirty="0" smtClean="0">
-                <a:latin typeface="Calibri" charset="0"/>
-                <a:ea typeface="Calibri" charset="0"/>
-                <a:cs typeface="Calibri" charset="0"/>
-              </a:rPr>
-              <a:t>Geographically close subdivisions have similar defect distributions</a:t>
-            </a:r>
-          </a:p>
-          <a:p>
-            <a:pPr marR="0" lvl="0" defTabSz="914400" eaLnBrk="1" fontAlgn="auto" latinLnBrk="0" hangingPunct="1">
-              <a:lnSpc>
-                <a:spcPct val="100000"/>
-              </a:lnSpc>
-              <a:spcBef>
-                <a:spcPts val="0"/>
-              </a:spcBef>
-              <a:spcAft>
-                <a:spcPts val="0"/>
-              </a:spcAft>
-              <a:buClrTx/>
-              <a:buSzTx/>
-              <a:tabLst/>
-              <a:defRPr/>
-            </a:pPr>
-            <a:endParaRPr lang="en-US" sz="3600" dirty="0">
-              <a:latin typeface="Calibri" charset="0"/>
-              <a:ea typeface="Calibri" charset="0"/>
-              <a:cs typeface="Calibri" charset="0"/>
-            </a:endParaRPr>
-          </a:p>
-        </p:txBody>
-      </p:sp>
-      <p:sp>
-        <p:nvSpPr>
-          <p:cNvPr id="116" name="TextBox 115"/>
-          <p:cNvSpPr txBox="1"/>
-          <p:nvPr/>
-        </p:nvSpPr>
-        <p:spPr>
-          <a:xfrm>
-            <a:off x="383433" y="20999595"/>
-            <a:ext cx="12651307" cy="3970318"/>
-          </a:xfrm>
-          <a:prstGeom prst="rect">
-            <a:avLst/>
-          </a:prstGeom>
-          <a:noFill/>
-        </p:spPr>
-        <p:txBody>
-          <a:bodyPr wrap="square" rtlCol="0">
-            <a:spAutoFit/>
-          </a:bodyPr>
-          <a:lstStyle/>
-          <a:p>
             <a:r>
               <a:rPr lang="en-US" sz="3600" dirty="0" smtClean="0">
                 <a:latin typeface="Calibri" charset="0"/>
@@ -8395,31 +8115,23 @@
             </a:r>
           </a:p>
           <a:p>
-            <a:pPr marL="571500" indent="-571500">
-              <a:buFont typeface="Arial" charset="0"/>
-              <a:buChar char="•"/>
-            </a:pPr>
-            <a:r>
-              <a:rPr lang="en-US" sz="3600" dirty="0">
+            <a:r>
+              <a:rPr lang="en-US" sz="2800" dirty="0" smtClean="0">
                 <a:latin typeface="Calibri" charset="0"/>
                 <a:ea typeface="Calibri" charset="0"/>
                 <a:cs typeface="Calibri" charset="0"/>
               </a:rPr>
-              <a:t>Railroad defects are classified using Decision Tree</a:t>
-            </a:r>
-          </a:p>
-          <a:p>
-            <a:pPr marL="571500" indent="-571500">
-              <a:buFont typeface="Arial" charset="0"/>
-              <a:buChar char="•"/>
-            </a:pPr>
-            <a:r>
-              <a:rPr lang="en-US" sz="3600" dirty="0" smtClean="0">
+              <a:t>- Defects are classified using Decision Tree</a:t>
+            </a:r>
+          </a:p>
+          <a:p>
+            <a:r>
+              <a:rPr lang="en-US" sz="2800" dirty="0" smtClean="0">
                 <a:latin typeface="Calibri" charset="0"/>
                 <a:ea typeface="Calibri" charset="0"/>
                 <a:cs typeface="Calibri" charset="0"/>
               </a:rPr>
-              <a:t>Defect size, accumulated tonnage, rail weight, rail section age are used as features</a:t>
+              <a:t>- Defect size, accumulated tonnage, rail weight, rail section age are used as features</a:t>
             </a:r>
           </a:p>
           <a:p>
@@ -8453,431 +8165,6 @@
           </a:p>
         </p:txBody>
       </p:sp>
-      <p:pic>
-        <p:nvPicPr>
-          <p:cNvPr id="117" name="Picture 116"/>
-          <p:cNvPicPr>
-            <a:picLocks noChangeAspect="1"/>
-          </p:cNvPicPr>
-          <p:nvPr/>
-        </p:nvPicPr>
-        <p:blipFill>
-          <a:blip r:embed="rId13">
-            <a:extLst>
-              <a:ext uri="{28A0092B-C50C-407E-A947-70E740481C1C}">
-                <a14:useLocalDpi xmlns:a14="http://schemas.microsoft.com/office/drawing/2010/main" val="0"/>
-              </a:ext>
-            </a:extLst>
-          </a:blip>
-          <a:stretch>
-            <a:fillRect/>
-          </a:stretch>
-        </p:blipFill>
-        <p:spPr>
-          <a:xfrm>
-            <a:off x="741469" y="27547324"/>
-            <a:ext cx="3775441" cy="3866013"/>
-          </a:xfrm>
-          <a:prstGeom prst="rect">
-            <a:avLst/>
-          </a:prstGeom>
-        </p:spPr>
-      </p:pic>
-      <p:pic>
-        <p:nvPicPr>
-          <p:cNvPr id="118" name="Picture 117"/>
-          <p:cNvPicPr>
-            <a:picLocks noChangeAspect="1"/>
-          </p:cNvPicPr>
-          <p:nvPr/>
-        </p:nvPicPr>
-        <p:blipFill>
-          <a:blip r:embed="rId14">
-            <a:extLst>
-              <a:ext uri="{28A0092B-C50C-407E-A947-70E740481C1C}">
-                <a14:useLocalDpi xmlns:a14="http://schemas.microsoft.com/office/drawing/2010/main" val="0"/>
-              </a:ext>
-            </a:extLst>
-          </a:blip>
-          <a:stretch>
-            <a:fillRect/>
-          </a:stretch>
-        </p:blipFill>
-        <p:spPr>
-          <a:xfrm>
-            <a:off x="4956453" y="31590878"/>
-            <a:ext cx="3048000" cy="3185129"/>
-          </a:xfrm>
-          <a:prstGeom prst="rect">
-            <a:avLst/>
-          </a:prstGeom>
-        </p:spPr>
-      </p:pic>
-      <p:pic>
-        <p:nvPicPr>
-          <p:cNvPr id="120" name="Picture 119"/>
-          <p:cNvPicPr>
-            <a:picLocks noChangeAspect="1"/>
-          </p:cNvPicPr>
-          <p:nvPr/>
-        </p:nvPicPr>
-        <p:blipFill>
-          <a:blip r:embed="rId15">
-            <a:extLst>
-              <a:ext uri="{28A0092B-C50C-407E-A947-70E740481C1C}">
-                <a14:useLocalDpi xmlns:a14="http://schemas.microsoft.com/office/drawing/2010/main" val="0"/>
-              </a:ext>
-            </a:extLst>
-          </a:blip>
-          <a:stretch>
-            <a:fillRect/>
-          </a:stretch>
-        </p:blipFill>
-        <p:spPr>
-          <a:xfrm>
-            <a:off x="9038567" y="31645252"/>
-            <a:ext cx="3048000" cy="3185129"/>
-          </a:xfrm>
-          <a:prstGeom prst="rect">
-            <a:avLst/>
-          </a:prstGeom>
-        </p:spPr>
-      </p:pic>
-      <p:pic>
-        <p:nvPicPr>
-          <p:cNvPr id="121" name="Picture 120"/>
-          <p:cNvPicPr>
-            <a:picLocks noChangeAspect="1"/>
-          </p:cNvPicPr>
-          <p:nvPr/>
-        </p:nvPicPr>
-        <p:blipFill>
-          <a:blip r:embed="rId16">
-            <a:extLst>
-              <a:ext uri="{28A0092B-C50C-407E-A947-70E740481C1C}">
-                <a14:useLocalDpi xmlns:a14="http://schemas.microsoft.com/office/drawing/2010/main" val="0"/>
-              </a:ext>
-            </a:extLst>
-          </a:blip>
-          <a:stretch>
-            <a:fillRect/>
-          </a:stretch>
-        </p:blipFill>
-        <p:spPr>
-          <a:xfrm>
-            <a:off x="899862" y="31590878"/>
-            <a:ext cx="3066700" cy="3185129"/>
-          </a:xfrm>
-          <a:prstGeom prst="rect">
-            <a:avLst/>
-          </a:prstGeom>
-        </p:spPr>
-      </p:pic>
-      <p:pic>
-        <p:nvPicPr>
-          <p:cNvPr id="124" name="Picture 123"/>
-          <p:cNvPicPr>
-            <a:picLocks noChangeAspect="1"/>
-          </p:cNvPicPr>
-          <p:nvPr/>
-        </p:nvPicPr>
-        <p:blipFill>
-          <a:blip r:embed="rId17">
-            <a:extLst>
-              <a:ext uri="{28A0092B-C50C-407E-A947-70E740481C1C}">
-                <a14:useLocalDpi xmlns:a14="http://schemas.microsoft.com/office/drawing/2010/main" val="0"/>
-              </a:ext>
-            </a:extLst>
-          </a:blip>
-          <a:stretch>
-            <a:fillRect/>
-          </a:stretch>
-        </p:blipFill>
-        <p:spPr>
-          <a:xfrm>
-            <a:off x="741469" y="23397315"/>
-            <a:ext cx="3775441" cy="3866013"/>
-          </a:xfrm>
-          <a:prstGeom prst="rect">
-            <a:avLst/>
-          </a:prstGeom>
-        </p:spPr>
-      </p:pic>
-      <p:sp>
-        <p:nvSpPr>
-          <p:cNvPr id="126" name="TextBox 125"/>
-          <p:cNvSpPr txBox="1"/>
-          <p:nvPr/>
-        </p:nvSpPr>
-        <p:spPr>
-          <a:xfrm>
-            <a:off x="1631106" y="23764700"/>
-            <a:ext cx="3235570" cy="830997"/>
-          </a:xfrm>
-          <a:prstGeom prst="rect">
-            <a:avLst/>
-          </a:prstGeom>
-          <a:noFill/>
-        </p:spPr>
-        <p:txBody>
-          <a:bodyPr wrap="square" rtlCol="0">
-            <a:spAutoFit/>
-          </a:bodyPr>
-          <a:lstStyle/>
-          <a:p>
-            <a:pPr algn="ctr"/>
-            <a:r>
-              <a:rPr lang="en-US" sz="2400" dirty="0" smtClean="0">
-                <a:latin typeface="Calibri" charset="0"/>
-                <a:ea typeface="Calibri" charset="0"/>
-                <a:cs typeface="Calibri" charset="0"/>
-              </a:rPr>
-              <a:t>Confusion Matrix</a:t>
-            </a:r>
-          </a:p>
-          <a:p>
-            <a:pPr algn="ctr"/>
-            <a:r>
-              <a:rPr lang="en-US" sz="2400" dirty="0" smtClean="0">
-                <a:latin typeface="Calibri" charset="0"/>
-                <a:ea typeface="Calibri" charset="0"/>
-                <a:cs typeface="Calibri" charset="0"/>
-              </a:rPr>
-              <a:t>All defects</a:t>
-            </a:r>
-            <a:endParaRPr lang="en-US" sz="2400" dirty="0">
-              <a:latin typeface="Calibri" charset="0"/>
-              <a:ea typeface="Calibri" charset="0"/>
-              <a:cs typeface="Calibri" charset="0"/>
-            </a:endParaRPr>
-          </a:p>
-        </p:txBody>
-      </p:sp>
-      <p:sp>
-        <p:nvSpPr>
-          <p:cNvPr id="127" name="TextBox 126"/>
-          <p:cNvSpPr txBox="1"/>
-          <p:nvPr/>
-        </p:nvSpPr>
-        <p:spPr>
-          <a:xfrm>
-            <a:off x="1531607" y="27889393"/>
-            <a:ext cx="3235570" cy="1200329"/>
-          </a:xfrm>
-          <a:prstGeom prst="rect">
-            <a:avLst/>
-          </a:prstGeom>
-          <a:noFill/>
-        </p:spPr>
-        <p:txBody>
-          <a:bodyPr wrap="square" rtlCol="0">
-            <a:spAutoFit/>
-          </a:bodyPr>
-          <a:lstStyle/>
-          <a:p>
-            <a:pPr algn="ctr"/>
-            <a:r>
-              <a:rPr lang="en-US" sz="2400" dirty="0" smtClean="0">
-                <a:latin typeface="Calibri" charset="0"/>
-                <a:ea typeface="Calibri" charset="0"/>
-                <a:cs typeface="Calibri" charset="0"/>
-              </a:rPr>
-              <a:t>Confusion Matrix</a:t>
-            </a:r>
-          </a:p>
-          <a:p>
-            <a:pPr algn="ctr"/>
-            <a:r>
-              <a:rPr lang="en-US" sz="2400" dirty="0" smtClean="0">
-                <a:latin typeface="Calibri" charset="0"/>
-                <a:ea typeface="Calibri" charset="0"/>
-                <a:cs typeface="Calibri" charset="0"/>
-              </a:rPr>
-              <a:t>Defects in</a:t>
-            </a:r>
-          </a:p>
-          <a:p>
-            <a:pPr algn="ctr"/>
-            <a:r>
-              <a:rPr lang="en-US" sz="2400" dirty="0" smtClean="0">
-                <a:latin typeface="Calibri" charset="0"/>
-                <a:ea typeface="Calibri" charset="0"/>
-                <a:cs typeface="Calibri" charset="0"/>
-              </a:rPr>
-              <a:t>AP </a:t>
-            </a:r>
-            <a:r>
-              <a:rPr lang="en-US" sz="2400" dirty="0" err="1" smtClean="0">
-                <a:latin typeface="Calibri" charset="0"/>
-                <a:ea typeface="Calibri" charset="0"/>
-                <a:cs typeface="Calibri" charset="0"/>
-              </a:rPr>
-              <a:t>Divison</a:t>
-            </a:r>
-            <a:endParaRPr lang="en-US" sz="2400" dirty="0" smtClean="0">
-              <a:latin typeface="Calibri" charset="0"/>
-              <a:ea typeface="Calibri" charset="0"/>
-              <a:cs typeface="Calibri" charset="0"/>
-            </a:endParaRPr>
-          </a:p>
-        </p:txBody>
-      </p:sp>
-      <p:sp>
-        <p:nvSpPr>
-          <p:cNvPr id="128" name="TextBox 127"/>
-          <p:cNvSpPr txBox="1"/>
-          <p:nvPr/>
-        </p:nvSpPr>
-        <p:spPr>
-          <a:xfrm>
-            <a:off x="10182992" y="32078787"/>
-            <a:ext cx="3235570" cy="830997"/>
-          </a:xfrm>
-          <a:prstGeom prst="rect">
-            <a:avLst/>
-          </a:prstGeom>
-          <a:noFill/>
-        </p:spPr>
-        <p:txBody>
-          <a:bodyPr wrap="square" rtlCol="0">
-            <a:spAutoFit/>
-          </a:bodyPr>
-          <a:lstStyle/>
-          <a:p>
-            <a:pPr algn="ctr"/>
-            <a:r>
-              <a:rPr lang="en-US" sz="2400" dirty="0" smtClean="0">
-                <a:latin typeface="Calibri" charset="0"/>
-                <a:ea typeface="Calibri" charset="0"/>
-                <a:cs typeface="Calibri" charset="0"/>
-              </a:rPr>
-              <a:t>Confusion Matrix</a:t>
-            </a:r>
-          </a:p>
-          <a:p>
-            <a:pPr algn="ctr"/>
-            <a:r>
-              <a:rPr lang="en-US" sz="2400" dirty="0" smtClean="0">
-                <a:latin typeface="Calibri" charset="0"/>
-                <a:ea typeface="Calibri" charset="0"/>
-                <a:cs typeface="Calibri" charset="0"/>
-              </a:rPr>
-              <a:t>Subset o</a:t>
-            </a:r>
-            <a:endParaRPr lang="en-US" sz="2400" dirty="0">
-              <a:latin typeface="Calibri" charset="0"/>
-              <a:ea typeface="Calibri" charset="0"/>
-              <a:cs typeface="Calibri" charset="0"/>
-            </a:endParaRPr>
-          </a:p>
-        </p:txBody>
-      </p:sp>
-      <p:sp>
-        <p:nvSpPr>
-          <p:cNvPr id="129" name="TextBox 128"/>
-          <p:cNvSpPr txBox="1"/>
-          <p:nvPr/>
-        </p:nvSpPr>
-        <p:spPr>
-          <a:xfrm>
-            <a:off x="4803088" y="23605310"/>
-            <a:ext cx="8228194" cy="7294305"/>
-          </a:xfrm>
-          <a:prstGeom prst="rect">
-            <a:avLst/>
-          </a:prstGeom>
-          <a:noFill/>
-        </p:spPr>
-        <p:txBody>
-          <a:bodyPr wrap="square" rtlCol="0">
-            <a:spAutoFit/>
-          </a:bodyPr>
-          <a:lstStyle/>
-          <a:p>
-            <a:pPr marL="571500" indent="-571500">
-              <a:buFont typeface="Arial" charset="0"/>
-              <a:buChar char="•"/>
-            </a:pPr>
-            <a:r>
-              <a:rPr lang="en-US" sz="3600" dirty="0" smtClean="0">
-                <a:latin typeface="Calibri" charset="0"/>
-                <a:ea typeface="Calibri" charset="0"/>
-                <a:cs typeface="Calibri" charset="0"/>
-              </a:rPr>
-              <a:t>Classifier trained on the entire dataset resulted in confidence level of 42.8%</a:t>
-            </a:r>
-            <a:endParaRPr lang="en-US" sz="3600" dirty="0">
-              <a:latin typeface="Calibri" charset="0"/>
-              <a:ea typeface="Calibri" charset="0"/>
-              <a:cs typeface="Calibri" charset="0"/>
-            </a:endParaRPr>
-          </a:p>
-          <a:p>
-            <a:pPr marL="571500" indent="-571500">
-              <a:buFont typeface="Arial" charset="0"/>
-              <a:buChar char="•"/>
-            </a:pPr>
-            <a:r>
-              <a:rPr lang="en-US" sz="3600" dirty="0" smtClean="0">
-                <a:latin typeface="Calibri" charset="0"/>
-                <a:ea typeface="Calibri" charset="0"/>
-                <a:cs typeface="Calibri" charset="0"/>
-              </a:rPr>
-              <a:t>This could be because all defects are not a function of same features</a:t>
-            </a:r>
-          </a:p>
-          <a:p>
-            <a:pPr marL="571500" indent="-571500">
-              <a:buFont typeface="Arial" charset="0"/>
-              <a:buChar char="•"/>
-            </a:pPr>
-            <a:endParaRPr lang="en-US" sz="3600" dirty="0" smtClean="0">
-              <a:latin typeface="Calibri" charset="0"/>
-              <a:ea typeface="Calibri" charset="0"/>
-              <a:cs typeface="Calibri" charset="0"/>
-            </a:endParaRPr>
-          </a:p>
-          <a:p>
-            <a:pPr marL="571500" indent="-571500">
-              <a:buFont typeface="Arial" charset="0"/>
-              <a:buChar char="•"/>
-            </a:pPr>
-            <a:r>
-              <a:rPr lang="en-US" sz="3600" dirty="0" smtClean="0">
-                <a:latin typeface="Calibri" charset="0"/>
-                <a:ea typeface="Calibri" charset="0"/>
-                <a:cs typeface="Calibri" charset="0"/>
-              </a:rPr>
-              <a:t>Classifier trained on the entire dataset under AP division. This resulted in 49.8% confidence level.</a:t>
-            </a:r>
-          </a:p>
-          <a:p>
-            <a:pPr marL="571500" indent="-571500">
-              <a:buFont typeface="Arial" charset="0"/>
-              <a:buChar char="•"/>
-            </a:pPr>
-            <a:endParaRPr lang="en-US" sz="3600" dirty="0" smtClean="0">
-              <a:latin typeface="Calibri" charset="0"/>
-              <a:ea typeface="Calibri" charset="0"/>
-              <a:cs typeface="Calibri" charset="0"/>
-            </a:endParaRPr>
-          </a:p>
-          <a:p>
-            <a:pPr marL="571500" indent="-571500">
-              <a:buFont typeface="Arial" charset="0"/>
-              <a:buChar char="•"/>
-            </a:pPr>
-            <a:r>
-              <a:rPr lang="en-US" sz="3600" dirty="0" smtClean="0">
-                <a:latin typeface="Calibri" charset="0"/>
-                <a:ea typeface="Calibri" charset="0"/>
-                <a:cs typeface="Calibri" charset="0"/>
-              </a:rPr>
-              <a:t>Defects are grouped based on their properties. When the classifier is modeled on all transverse defects data resulted in 93.8% confidence level.</a:t>
-            </a:r>
-          </a:p>
-        </p:txBody>
-      </p:sp>
       <p:sp>
         <p:nvSpPr>
           <p:cNvPr id="134" name="TextBox 133"/>
@@ -8886,7 +8173,7 @@
         </p:nvSpPr>
         <p:spPr>
           <a:xfrm>
-            <a:off x="13920052" y="34497770"/>
+            <a:off x="14433901" y="34497770"/>
             <a:ext cx="5968148" cy="523220"/>
           </a:xfrm>
           <a:prstGeom prst="rect">
@@ -8914,15 +8201,7 @@
                 <a:ea typeface="Calibri" charset="0"/>
                 <a:cs typeface="Calibri" charset="0"/>
               </a:rPr>
-              <a:t> of regions’ defect </a:t>
-            </a:r>
-            <a:r>
-              <a:rPr lang="en-US" sz="2800" dirty="0" smtClean="0">
-                <a:latin typeface="Calibri" charset="0"/>
-                <a:ea typeface="Calibri" charset="0"/>
-                <a:cs typeface="Calibri" charset="0"/>
-              </a:rPr>
-              <a:t>similarities </a:t>
+              <a:t> of regions’ defect similarities </a:t>
             </a:r>
             <a:endParaRPr lang="en-US" sz="2800" dirty="0">
               <a:latin typeface="Calibri" charset="0"/>
@@ -9359,6 +8638,1582 @@
           </a:p>
         </p:txBody>
       </p:sp>
+      <p:grpSp>
+        <p:nvGrpSpPr>
+          <p:cNvPr id="42" name="Group 41"/>
+          <p:cNvGrpSpPr/>
+          <p:nvPr/>
+        </p:nvGrpSpPr>
+        <p:grpSpPr>
+          <a:xfrm>
+            <a:off x="1311556" y="22249303"/>
+            <a:ext cx="10818919" cy="3304981"/>
+            <a:chOff x="1311556" y="22659406"/>
+            <a:chExt cx="10818919" cy="3304981"/>
+          </a:xfrm>
+        </p:grpSpPr>
+        <p:grpSp>
+          <p:nvGrpSpPr>
+            <p:cNvPr id="29" name="Group 28"/>
+            <p:cNvGrpSpPr/>
+            <p:nvPr/>
+          </p:nvGrpSpPr>
+          <p:grpSpPr>
+            <a:xfrm>
+              <a:off x="1311556" y="22659406"/>
+              <a:ext cx="10818919" cy="3304981"/>
+              <a:chOff x="420487" y="22224681"/>
+              <a:chExt cx="12138760" cy="3628151"/>
+            </a:xfrm>
+          </p:grpSpPr>
+          <p:pic>
+            <p:nvPicPr>
+              <p:cNvPr id="8" name="Picture 7"/>
+              <p:cNvPicPr>
+                <a:picLocks noChangeAspect="1"/>
+              </p:cNvPicPr>
+              <p:nvPr/>
+            </p:nvPicPr>
+            <p:blipFill>
+              <a:blip r:embed="rId11">
+                <a:extLst>
+                  <a:ext uri="{28A0092B-C50C-407E-A947-70E740481C1C}">
+                    <a14:useLocalDpi xmlns:a14="http://schemas.microsoft.com/office/drawing/2010/main" val="0"/>
+                  </a:ext>
+                </a:extLst>
+              </a:blip>
+              <a:stretch>
+                <a:fillRect/>
+              </a:stretch>
+            </p:blipFill>
+            <p:spPr>
+              <a:xfrm>
+                <a:off x="420487" y="22234010"/>
+                <a:ext cx="3990370" cy="3575902"/>
+              </a:xfrm>
+              <a:prstGeom prst="rect">
+                <a:avLst/>
+              </a:prstGeom>
+            </p:spPr>
+          </p:pic>
+          <p:pic>
+            <p:nvPicPr>
+              <p:cNvPr id="18" name="Picture 17"/>
+              <p:cNvPicPr>
+                <a:picLocks noChangeAspect="1"/>
+              </p:cNvPicPr>
+              <p:nvPr/>
+            </p:nvPicPr>
+            <p:blipFill>
+              <a:blip r:embed="rId12">
+                <a:extLst>
+                  <a:ext uri="{28A0092B-C50C-407E-A947-70E740481C1C}">
+                    <a14:useLocalDpi xmlns:a14="http://schemas.microsoft.com/office/drawing/2010/main" val="0"/>
+                  </a:ext>
+                </a:extLst>
+              </a:blip>
+              <a:stretch>
+                <a:fillRect/>
+              </a:stretch>
+            </p:blipFill>
+            <p:spPr>
+              <a:xfrm>
+                <a:off x="4458013" y="22234010"/>
+                <a:ext cx="3990371" cy="3575902"/>
+              </a:xfrm>
+              <a:prstGeom prst="rect">
+                <a:avLst/>
+              </a:prstGeom>
+            </p:spPr>
+          </p:pic>
+          <p:pic>
+            <p:nvPicPr>
+              <p:cNvPr id="25" name="Picture 24"/>
+              <p:cNvPicPr>
+                <a:picLocks noChangeAspect="1"/>
+              </p:cNvPicPr>
+              <p:nvPr/>
+            </p:nvPicPr>
+            <p:blipFill>
+              <a:blip r:embed="rId13">
+                <a:extLst>
+                  <a:ext uri="{28A0092B-C50C-407E-A947-70E740481C1C}">
+                    <a14:useLocalDpi xmlns:a14="http://schemas.microsoft.com/office/drawing/2010/main" val="0"/>
+                  </a:ext>
+                </a:extLst>
+              </a:blip>
+              <a:stretch>
+                <a:fillRect/>
+              </a:stretch>
+            </p:blipFill>
+            <p:spPr>
+              <a:xfrm>
+                <a:off x="8550833" y="22224681"/>
+                <a:ext cx="4008414" cy="3628151"/>
+              </a:xfrm>
+              <a:prstGeom prst="rect">
+                <a:avLst/>
+              </a:prstGeom>
+            </p:spPr>
+          </p:pic>
+        </p:grpSp>
+        <p:sp>
+          <p:nvSpPr>
+            <p:cNvPr id="126" name="TextBox 125"/>
+            <p:cNvSpPr txBox="1"/>
+            <p:nvPr/>
+          </p:nvSpPr>
+          <p:spPr>
+            <a:xfrm>
+              <a:off x="1479019" y="24444386"/>
+              <a:ext cx="3235570" cy="1015663"/>
+            </a:xfrm>
+            <a:prstGeom prst="rect">
+              <a:avLst/>
+            </a:prstGeom>
+            <a:noFill/>
+          </p:spPr>
+          <p:txBody>
+            <a:bodyPr wrap="square" rtlCol="0">
+              <a:spAutoFit/>
+            </a:bodyPr>
+            <a:lstStyle/>
+            <a:p>
+              <a:pPr algn="ctr"/>
+              <a:r>
+                <a:rPr lang="en-US" sz="2000" dirty="0" smtClean="0">
+                  <a:latin typeface="Calibri" charset="0"/>
+                  <a:ea typeface="Calibri" charset="0"/>
+                  <a:cs typeface="Calibri" charset="0"/>
+                </a:rPr>
+                <a:t>Confusion Matrix</a:t>
+              </a:r>
+            </a:p>
+            <a:p>
+              <a:pPr algn="ctr"/>
+              <a:r>
+                <a:rPr lang="en-US" sz="2000" dirty="0" smtClean="0">
+                  <a:latin typeface="Calibri" charset="0"/>
+                  <a:ea typeface="Calibri" charset="0"/>
+                  <a:cs typeface="Calibri" charset="0"/>
+                </a:rPr>
+                <a:t>Dataset: All</a:t>
+              </a:r>
+            </a:p>
+            <a:p>
+              <a:pPr algn="ctr"/>
+              <a:r>
+                <a:rPr lang="en-US" sz="2000" dirty="0" smtClean="0">
+                  <a:latin typeface="Calibri" charset="0"/>
+                  <a:ea typeface="Calibri" charset="0"/>
+                  <a:cs typeface="Calibri" charset="0"/>
+                </a:rPr>
+                <a:t>Accuracy: 42.55%</a:t>
+              </a:r>
+              <a:endParaRPr lang="en-US" sz="2000" dirty="0">
+                <a:latin typeface="Calibri" charset="0"/>
+                <a:ea typeface="Calibri" charset="0"/>
+                <a:cs typeface="Calibri" charset="0"/>
+              </a:endParaRPr>
+            </a:p>
+          </p:txBody>
+        </p:sp>
+        <p:sp>
+          <p:nvSpPr>
+            <p:cNvPr id="110" name="TextBox 109"/>
+            <p:cNvSpPr txBox="1"/>
+            <p:nvPr/>
+          </p:nvSpPr>
+          <p:spPr>
+            <a:xfrm>
+              <a:off x="5084386" y="24496197"/>
+              <a:ext cx="3235570" cy="1015663"/>
+            </a:xfrm>
+            <a:prstGeom prst="rect">
+              <a:avLst/>
+            </a:prstGeom>
+            <a:noFill/>
+          </p:spPr>
+          <p:txBody>
+            <a:bodyPr wrap="square" rtlCol="0">
+              <a:spAutoFit/>
+            </a:bodyPr>
+            <a:lstStyle/>
+            <a:p>
+              <a:pPr algn="ctr"/>
+              <a:r>
+                <a:rPr lang="en-US" sz="2000" dirty="0" smtClean="0">
+                  <a:latin typeface="Calibri" charset="0"/>
+                  <a:ea typeface="Calibri" charset="0"/>
+                  <a:cs typeface="Calibri" charset="0"/>
+                </a:rPr>
+                <a:t>Confusion </a:t>
+              </a:r>
+              <a:r>
+                <a:rPr lang="en-US" sz="2000" dirty="0" smtClean="0">
+                  <a:latin typeface="Calibri" charset="0"/>
+                  <a:ea typeface="Calibri" charset="0"/>
+                  <a:cs typeface="Calibri" charset="0"/>
+                </a:rPr>
+                <a:t>Matrix</a:t>
+              </a:r>
+              <a:endParaRPr lang="en-US" sz="2000" dirty="0" smtClean="0">
+                <a:latin typeface="Calibri" charset="0"/>
+                <a:ea typeface="Calibri" charset="0"/>
+                <a:cs typeface="Calibri" charset="0"/>
+              </a:endParaRPr>
+            </a:p>
+            <a:p>
+              <a:pPr algn="ctr"/>
+              <a:r>
+                <a:rPr lang="en-US" sz="2000" dirty="0" smtClean="0">
+                  <a:latin typeface="Calibri" charset="0"/>
+                  <a:ea typeface="Calibri" charset="0"/>
+                  <a:cs typeface="Calibri" charset="0"/>
+                </a:rPr>
+                <a:t>Dataset: AP Division</a:t>
+              </a:r>
+            </a:p>
+            <a:p>
+              <a:pPr algn="ctr"/>
+              <a:r>
+                <a:rPr lang="en-US" sz="2000" dirty="0" smtClean="0">
+                  <a:latin typeface="Calibri" charset="0"/>
+                  <a:ea typeface="Calibri" charset="0"/>
+                  <a:cs typeface="Calibri" charset="0"/>
+                </a:rPr>
+                <a:t>Accuracy: 50%</a:t>
+              </a:r>
+              <a:endParaRPr lang="en-US" sz="2000" dirty="0" smtClean="0">
+                <a:latin typeface="Calibri" charset="0"/>
+                <a:ea typeface="Calibri" charset="0"/>
+                <a:cs typeface="Calibri" charset="0"/>
+              </a:endParaRPr>
+            </a:p>
+          </p:txBody>
+        </p:sp>
+        <p:sp>
+          <p:nvSpPr>
+            <p:cNvPr id="127" name="TextBox 126"/>
+            <p:cNvSpPr txBox="1"/>
+            <p:nvPr/>
+          </p:nvSpPr>
+          <p:spPr>
+            <a:xfrm>
+              <a:off x="8803173" y="24492809"/>
+              <a:ext cx="3235570" cy="1015663"/>
+            </a:xfrm>
+            <a:prstGeom prst="rect">
+              <a:avLst/>
+            </a:prstGeom>
+            <a:noFill/>
+          </p:spPr>
+          <p:txBody>
+            <a:bodyPr wrap="square" rtlCol="0">
+              <a:spAutoFit/>
+            </a:bodyPr>
+            <a:lstStyle/>
+            <a:p>
+              <a:pPr algn="ctr"/>
+              <a:r>
+                <a:rPr lang="en-US" sz="2000" dirty="0" smtClean="0">
+                  <a:latin typeface="Calibri" charset="0"/>
+                  <a:ea typeface="Calibri" charset="0"/>
+                  <a:cs typeface="Calibri" charset="0"/>
+                </a:rPr>
+                <a:t>Confusion </a:t>
+              </a:r>
+              <a:r>
+                <a:rPr lang="en-US" sz="2000" dirty="0" smtClean="0">
+                  <a:latin typeface="Calibri" charset="0"/>
+                  <a:ea typeface="Calibri" charset="0"/>
+                  <a:cs typeface="Calibri" charset="0"/>
+                </a:rPr>
+                <a:t>Matrix</a:t>
+              </a:r>
+              <a:endParaRPr lang="en-US" sz="2000" dirty="0">
+                <a:latin typeface="Calibri" charset="0"/>
+                <a:ea typeface="Calibri" charset="0"/>
+                <a:cs typeface="Calibri" charset="0"/>
+              </a:endParaRPr>
+            </a:p>
+            <a:p>
+              <a:pPr algn="ctr"/>
+              <a:r>
+                <a:rPr lang="en-US" sz="2000" dirty="0" smtClean="0">
+                  <a:latin typeface="Calibri" charset="0"/>
+                  <a:ea typeface="Calibri" charset="0"/>
+                  <a:cs typeface="Calibri" charset="0"/>
+                </a:rPr>
+                <a:t>Dataset: Sub Division</a:t>
+              </a:r>
+            </a:p>
+            <a:p>
+              <a:pPr algn="ctr"/>
+              <a:r>
+                <a:rPr lang="en-US" sz="2000" dirty="0" smtClean="0">
+                  <a:latin typeface="Calibri" charset="0"/>
+                  <a:ea typeface="Calibri" charset="0"/>
+                  <a:cs typeface="Calibri" charset="0"/>
+                </a:rPr>
+                <a:t>Accuracy: 54%</a:t>
+              </a:r>
+              <a:endParaRPr lang="en-US" sz="2000" dirty="0" smtClean="0">
+                <a:latin typeface="Calibri" charset="0"/>
+                <a:ea typeface="Calibri" charset="0"/>
+                <a:cs typeface="Calibri" charset="0"/>
+              </a:endParaRPr>
+            </a:p>
+          </p:txBody>
+        </p:sp>
+      </p:grpSp>
+      <p:sp>
+        <p:nvSpPr>
+          <p:cNvPr id="147" name="TextBox 146"/>
+          <p:cNvSpPr txBox="1"/>
+          <p:nvPr/>
+        </p:nvSpPr>
+        <p:spPr>
+          <a:xfrm>
+            <a:off x="431882" y="30978519"/>
+            <a:ext cx="4266643" cy="3970318"/>
+          </a:xfrm>
+          <a:prstGeom prst="rect">
+            <a:avLst/>
+          </a:prstGeom>
+          <a:noFill/>
+        </p:spPr>
+        <p:txBody>
+          <a:bodyPr wrap="square" rtlCol="0">
+            <a:spAutoFit/>
+          </a:bodyPr>
+          <a:lstStyle/>
+          <a:p>
+            <a:r>
+              <a:rPr lang="en-US" sz="2800" b="1" dirty="0" smtClean="0">
+                <a:latin typeface="Calibri" charset="0"/>
+                <a:ea typeface="Calibri" charset="0"/>
+                <a:cs typeface="Calibri" charset="0"/>
+              </a:rPr>
+              <a:t>Conclusions:</a:t>
+            </a:r>
+          </a:p>
+          <a:p>
+            <a:pPr marL="457200" indent="-457200">
+              <a:buFont typeface="Arial" charset="0"/>
+              <a:buChar char="•"/>
+            </a:pPr>
+            <a:r>
+              <a:rPr lang="en-US" sz="2800" dirty="0" smtClean="0">
+                <a:latin typeface="Calibri" charset="0"/>
+                <a:ea typeface="Calibri" charset="0"/>
+                <a:cs typeface="Calibri" charset="0"/>
+              </a:rPr>
+              <a:t>We improve prediction accuracy by a hierarchical classification scheme</a:t>
+            </a:r>
+          </a:p>
+          <a:p>
+            <a:pPr marL="457200" indent="-457200">
+              <a:buFont typeface="Arial" charset="0"/>
+              <a:buChar char="•"/>
+            </a:pPr>
+            <a:r>
+              <a:rPr lang="en-US" sz="2800" dirty="0" smtClean="0">
+                <a:latin typeface="Calibri" charset="0"/>
+                <a:ea typeface="Calibri" charset="0"/>
+                <a:cs typeface="Calibri" charset="0"/>
+              </a:rPr>
+              <a:t>First decide membership in defect superclass, then in defect class using a second classifier </a:t>
+            </a:r>
+            <a:endParaRPr lang="en-US" sz="2800" dirty="0">
+              <a:latin typeface="Calibri" charset="0"/>
+              <a:ea typeface="Calibri" charset="0"/>
+              <a:cs typeface="Calibri" charset="0"/>
+            </a:endParaRPr>
+          </a:p>
+        </p:txBody>
+      </p:sp>
+      <p:grpSp>
+        <p:nvGrpSpPr>
+          <p:cNvPr id="150" name="Group 149"/>
+          <p:cNvGrpSpPr/>
+          <p:nvPr/>
+        </p:nvGrpSpPr>
+        <p:grpSpPr>
+          <a:xfrm>
+            <a:off x="504209" y="25549935"/>
+            <a:ext cx="12530530" cy="9226351"/>
+            <a:chOff x="541880" y="26086225"/>
+            <a:chExt cx="12530530" cy="9226351"/>
+          </a:xfrm>
+        </p:grpSpPr>
+        <p:grpSp>
+          <p:nvGrpSpPr>
+            <p:cNvPr id="148" name="Group 147"/>
+            <p:cNvGrpSpPr/>
+            <p:nvPr/>
+          </p:nvGrpSpPr>
+          <p:grpSpPr>
+            <a:xfrm>
+              <a:off x="541880" y="26086225"/>
+              <a:ext cx="12530530" cy="9226351"/>
+              <a:chOff x="541880" y="26086225"/>
+              <a:chExt cx="12530530" cy="9226351"/>
+            </a:xfrm>
+          </p:grpSpPr>
+          <p:sp>
+            <p:nvSpPr>
+              <p:cNvPr id="133" name="Rectangle 132"/>
+              <p:cNvSpPr/>
+              <p:nvPr/>
+            </p:nvSpPr>
+            <p:spPr>
+              <a:xfrm>
+                <a:off x="4858004" y="26086225"/>
+                <a:ext cx="8214406" cy="9226351"/>
+              </a:xfrm>
+              <a:prstGeom prst="rect">
+                <a:avLst/>
+              </a:prstGeom>
+              <a:solidFill>
+                <a:schemeClr val="accent1">
+                  <a:alpha val="20000"/>
+                </a:schemeClr>
+              </a:solidFill>
+            </p:spPr>
+            <p:style>
+              <a:lnRef idx="2">
+                <a:schemeClr val="accent1">
+                  <a:shade val="50000"/>
+                </a:schemeClr>
+              </a:lnRef>
+              <a:fillRef idx="1">
+                <a:schemeClr val="accent1"/>
+              </a:fillRef>
+              <a:effectRef idx="0">
+                <a:schemeClr val="accent1"/>
+              </a:effectRef>
+              <a:fontRef idx="minor">
+                <a:schemeClr val="lt1"/>
+              </a:fontRef>
+            </p:style>
+            <p:txBody>
+              <a:bodyPr rtlCol="0" anchor="t"/>
+              <a:lstStyle/>
+              <a:p>
+                <a:pPr algn="ctr"/>
+                <a:endParaRPr lang="en-US" sz="3600" u="sng" dirty="0">
+                  <a:solidFill>
+                    <a:schemeClr val="tx1"/>
+                  </a:solidFill>
+                </a:endParaRPr>
+              </a:p>
+            </p:txBody>
+          </p:sp>
+          <p:grpSp>
+            <p:nvGrpSpPr>
+              <p:cNvPr id="48" name="Group 47"/>
+              <p:cNvGrpSpPr/>
+              <p:nvPr/>
+            </p:nvGrpSpPr>
+            <p:grpSpPr>
+              <a:xfrm>
+                <a:off x="541880" y="26096182"/>
+                <a:ext cx="4110680" cy="5275638"/>
+                <a:chOff x="514350" y="26328296"/>
+                <a:chExt cx="4200239" cy="5469787"/>
+              </a:xfrm>
+            </p:grpSpPr>
+            <p:sp>
+              <p:nvSpPr>
+                <p:cNvPr id="114" name="Rectangle 113"/>
+                <p:cNvSpPr/>
+                <p:nvPr/>
+              </p:nvSpPr>
+              <p:spPr>
+                <a:xfrm>
+                  <a:off x="514350" y="26328296"/>
+                  <a:ext cx="4200239" cy="5469787"/>
+                </a:xfrm>
+                <a:prstGeom prst="rect">
+                  <a:avLst/>
+                </a:prstGeom>
+                <a:solidFill>
+                  <a:schemeClr val="accent1">
+                    <a:alpha val="20000"/>
+                  </a:schemeClr>
+                </a:solidFill>
+              </p:spPr>
+              <p:style>
+                <a:lnRef idx="2">
+                  <a:schemeClr val="accent1">
+                    <a:shade val="50000"/>
+                  </a:schemeClr>
+                </a:lnRef>
+                <a:fillRef idx="1">
+                  <a:schemeClr val="accent1"/>
+                </a:fillRef>
+                <a:effectRef idx="0">
+                  <a:schemeClr val="accent1"/>
+                </a:effectRef>
+                <a:fontRef idx="minor">
+                  <a:schemeClr val="lt1"/>
+                </a:fontRef>
+              </p:style>
+              <p:txBody>
+                <a:bodyPr rtlCol="0" anchor="t"/>
+                <a:lstStyle/>
+                <a:p>
+                  <a:pPr algn="ctr"/>
+                  <a:r>
+                    <a:rPr lang="en-US" sz="2800" u="sng" dirty="0" smtClean="0">
+                      <a:solidFill>
+                        <a:schemeClr val="tx1"/>
+                      </a:solidFill>
+                    </a:rPr>
+                    <a:t>Defect Super Classes</a:t>
+                  </a:r>
+                  <a:endParaRPr lang="en-US" sz="2800" u="sng" dirty="0">
+                    <a:solidFill>
+                      <a:schemeClr val="tx1"/>
+                    </a:solidFill>
+                  </a:endParaRPr>
+                </a:p>
+              </p:txBody>
+            </p:sp>
+            <p:sp>
+              <p:nvSpPr>
+                <p:cNvPr id="115" name="Rectangle 114"/>
+                <p:cNvSpPr/>
+                <p:nvPr/>
+              </p:nvSpPr>
+              <p:spPr>
+                <a:xfrm>
+                  <a:off x="641514" y="27073018"/>
+                  <a:ext cx="3860862" cy="1390418"/>
+                </a:xfrm>
+                <a:prstGeom prst="rect">
+                  <a:avLst/>
+                </a:prstGeom>
+              </p:spPr>
+              <p:style>
+                <a:lnRef idx="2">
+                  <a:schemeClr val="accent1">
+                    <a:shade val="50000"/>
+                  </a:schemeClr>
+                </a:lnRef>
+                <a:fillRef idx="1">
+                  <a:schemeClr val="accent1"/>
+                </a:fillRef>
+                <a:effectRef idx="0">
+                  <a:schemeClr val="accent1"/>
+                </a:effectRef>
+                <a:fontRef idx="minor">
+                  <a:schemeClr val="lt1"/>
+                </a:fontRef>
+              </p:style>
+              <p:txBody>
+                <a:bodyPr rtlCol="0" anchor="t"/>
+                <a:lstStyle/>
+                <a:p>
+                  <a:pPr algn="ctr"/>
+                  <a:r>
+                    <a:rPr lang="en-US" sz="2800" dirty="0"/>
+                    <a:t>T </a:t>
+                  </a:r>
+                  <a:r>
+                    <a:rPr lang="en-US" sz="2800" dirty="0" smtClean="0"/>
+                    <a:t>– Class</a:t>
+                  </a:r>
+                </a:p>
+                <a:p>
+                  <a:pPr algn="ctr"/>
+                  <a:endParaRPr lang="en-US" sz="2800" dirty="0" smtClean="0"/>
+                </a:p>
+                <a:p>
+                  <a:pPr algn="ctr"/>
+                  <a:r>
+                    <a:rPr lang="en-US" sz="2800" dirty="0" smtClean="0"/>
+                    <a:t>TDD, TDC, TD, TDT</a:t>
+                  </a:r>
+                </a:p>
+                <a:p>
+                  <a:pPr marL="571500" indent="-571500">
+                    <a:buFont typeface="Arial" charset="0"/>
+                    <a:buChar char="•"/>
+                  </a:pPr>
+                  <a:endParaRPr lang="en-US" sz="2800" dirty="0"/>
+                </a:p>
+              </p:txBody>
+            </p:sp>
+            <p:sp>
+              <p:nvSpPr>
+                <p:cNvPr id="131" name="Rectangle 130"/>
+                <p:cNvSpPr/>
+                <p:nvPr/>
+              </p:nvSpPr>
+              <p:spPr>
+                <a:xfrm>
+                  <a:off x="666414" y="28611686"/>
+                  <a:ext cx="3860862" cy="1390418"/>
+                </a:xfrm>
+                <a:prstGeom prst="rect">
+                  <a:avLst/>
+                </a:prstGeom>
+              </p:spPr>
+              <p:style>
+                <a:lnRef idx="2">
+                  <a:schemeClr val="accent1">
+                    <a:shade val="50000"/>
+                  </a:schemeClr>
+                </a:lnRef>
+                <a:fillRef idx="1">
+                  <a:schemeClr val="accent1"/>
+                </a:fillRef>
+                <a:effectRef idx="0">
+                  <a:schemeClr val="accent1"/>
+                </a:effectRef>
+                <a:fontRef idx="minor">
+                  <a:schemeClr val="lt1"/>
+                </a:fontRef>
+              </p:style>
+              <p:txBody>
+                <a:bodyPr rtlCol="0" anchor="t"/>
+                <a:lstStyle/>
+                <a:p>
+                  <a:pPr algn="ctr"/>
+                  <a:r>
+                    <a:rPr lang="en-US" sz="2800" dirty="0" smtClean="0"/>
+                    <a:t>B – Class</a:t>
+                  </a:r>
+                </a:p>
+                <a:p>
+                  <a:pPr algn="ctr"/>
+                  <a:endParaRPr lang="en-US" sz="2800" dirty="0" smtClean="0"/>
+                </a:p>
+                <a:p>
+                  <a:pPr algn="ctr"/>
+                  <a:r>
+                    <a:rPr lang="en-US" sz="2800" dirty="0" smtClean="0"/>
+                    <a:t>BRO, BHB, BB</a:t>
+                  </a:r>
+                </a:p>
+                <a:p>
+                  <a:pPr marL="571500" indent="-571500">
+                    <a:buFont typeface="Arial" charset="0"/>
+                    <a:buChar char="•"/>
+                  </a:pPr>
+                  <a:endParaRPr lang="en-US" sz="2800" dirty="0"/>
+                </a:p>
+              </p:txBody>
+            </p:sp>
+            <p:sp>
+              <p:nvSpPr>
+                <p:cNvPr id="132" name="Rectangle 131"/>
+                <p:cNvSpPr/>
+                <p:nvPr/>
+              </p:nvSpPr>
+              <p:spPr>
+                <a:xfrm>
+                  <a:off x="641514" y="30132811"/>
+                  <a:ext cx="3860862" cy="1390418"/>
+                </a:xfrm>
+                <a:prstGeom prst="rect">
+                  <a:avLst/>
+                </a:prstGeom>
+              </p:spPr>
+              <p:style>
+                <a:lnRef idx="2">
+                  <a:schemeClr val="accent1">
+                    <a:shade val="50000"/>
+                  </a:schemeClr>
+                </a:lnRef>
+                <a:fillRef idx="1">
+                  <a:schemeClr val="accent1"/>
+                </a:fillRef>
+                <a:effectRef idx="0">
+                  <a:schemeClr val="accent1"/>
+                </a:effectRef>
+                <a:fontRef idx="minor">
+                  <a:schemeClr val="lt1"/>
+                </a:fontRef>
+              </p:style>
+              <p:txBody>
+                <a:bodyPr rtlCol="0" anchor="t"/>
+                <a:lstStyle/>
+                <a:p>
+                  <a:pPr algn="ctr"/>
+                  <a:r>
+                    <a:rPr lang="en-US" sz="2800" dirty="0" smtClean="0"/>
+                    <a:t>W – Class</a:t>
+                  </a:r>
+                </a:p>
+                <a:p>
+                  <a:pPr algn="ctr"/>
+                  <a:endParaRPr lang="en-US" sz="2800" dirty="0" smtClean="0"/>
+                </a:p>
+                <a:p>
+                  <a:pPr algn="ctr"/>
+                  <a:r>
+                    <a:rPr lang="en-US" sz="2800" dirty="0" smtClean="0"/>
+                    <a:t>HW, HWJ, OAW, SW</a:t>
+                  </a:r>
+                </a:p>
+                <a:p>
+                  <a:pPr marL="571500" indent="-571500">
+                    <a:buFont typeface="Arial" charset="0"/>
+                    <a:buChar char="•"/>
+                  </a:pPr>
+                  <a:endParaRPr lang="en-US" sz="2800" dirty="0"/>
+                </a:p>
+              </p:txBody>
+            </p:sp>
+          </p:grpSp>
+        </p:grpSp>
+        <p:sp>
+          <p:nvSpPr>
+            <p:cNvPr id="149" name="TextBox 148"/>
+            <p:cNvSpPr txBox="1"/>
+            <p:nvPr/>
+          </p:nvSpPr>
+          <p:spPr>
+            <a:xfrm>
+              <a:off x="4949272" y="27884567"/>
+              <a:ext cx="3791864" cy="3046988"/>
+            </a:xfrm>
+            <a:prstGeom prst="rect">
+              <a:avLst/>
+            </a:prstGeom>
+            <a:noFill/>
+          </p:spPr>
+          <p:txBody>
+            <a:bodyPr wrap="square" rtlCol="0">
+              <a:spAutoFit/>
+            </a:bodyPr>
+            <a:lstStyle/>
+            <a:p>
+              <a:pPr algn="ctr"/>
+              <a:r>
+                <a:rPr lang="en-US" sz="2400" u="sng" dirty="0" smtClean="0">
+                  <a:latin typeface="Calibri" charset="0"/>
+                  <a:ea typeface="Calibri" charset="0"/>
+                  <a:cs typeface="Calibri" charset="0"/>
+                </a:rPr>
+                <a:t>Pipeline</a:t>
+              </a:r>
+            </a:p>
+            <a:p>
+              <a:pPr algn="just"/>
+              <a:r>
+                <a:rPr lang="en-US" sz="2400" dirty="0" smtClean="0">
+                  <a:latin typeface="Calibri" charset="0"/>
+                  <a:ea typeface="Calibri" charset="0"/>
+                  <a:cs typeface="Calibri" charset="0"/>
+                </a:rPr>
+                <a:t>Defects are classified using super-class before predicting their type</a:t>
+              </a:r>
+            </a:p>
+            <a:p>
+              <a:pPr algn="just"/>
+              <a:endParaRPr lang="en-US" sz="2400" dirty="0">
+                <a:latin typeface="Calibri" charset="0"/>
+                <a:ea typeface="Calibri" charset="0"/>
+                <a:cs typeface="Calibri" charset="0"/>
+              </a:endParaRPr>
+            </a:p>
+            <a:p>
+              <a:pPr algn="just"/>
+              <a:r>
+                <a:rPr lang="en-US" sz="2400" dirty="0" smtClean="0">
+                  <a:latin typeface="Calibri" charset="0"/>
+                  <a:ea typeface="Calibri" charset="0"/>
+                  <a:cs typeface="Calibri" charset="0"/>
+                </a:rPr>
+                <a:t>Using the subset containing T, B, W defects resulted in accuracy of 89.90%</a:t>
+              </a:r>
+            </a:p>
+          </p:txBody>
+        </p:sp>
+      </p:grpSp>
+      <p:sp>
+        <p:nvSpPr>
+          <p:cNvPr id="125" name="Rectangle 124"/>
+          <p:cNvSpPr/>
+          <p:nvPr/>
+        </p:nvSpPr>
+        <p:spPr>
+          <a:xfrm>
+            <a:off x="4926408" y="25694719"/>
+            <a:ext cx="2857535" cy="1461602"/>
+          </a:xfrm>
+          <a:prstGeom prst="rect">
+            <a:avLst/>
+          </a:prstGeom>
+        </p:spPr>
+        <p:style>
+          <a:lnRef idx="2">
+            <a:schemeClr val="accent1">
+              <a:shade val="50000"/>
+            </a:schemeClr>
+          </a:lnRef>
+          <a:fillRef idx="1">
+            <a:schemeClr val="accent1"/>
+          </a:fillRef>
+          <a:effectRef idx="0">
+            <a:schemeClr val="accent1"/>
+          </a:effectRef>
+          <a:fontRef idx="minor">
+            <a:schemeClr val="lt1"/>
+          </a:fontRef>
+        </p:style>
+        <p:txBody>
+          <a:bodyPr rtlCol="0" anchor="t"/>
+          <a:lstStyle/>
+          <a:p>
+            <a:pPr marL="571500" marR="0" lvl="0" indent="-571500" algn="ctr" defTabSz="914400" eaLnBrk="1" fontAlgn="auto" latinLnBrk="0" hangingPunct="1">
+              <a:lnSpc>
+                <a:spcPct val="100000"/>
+              </a:lnSpc>
+              <a:spcBef>
+                <a:spcPts val="0"/>
+              </a:spcBef>
+              <a:spcAft>
+                <a:spcPts val="0"/>
+              </a:spcAft>
+              <a:buClrTx/>
+              <a:buSzTx/>
+              <a:buFont typeface="Arial" charset="0"/>
+              <a:buNone/>
+              <a:tabLst/>
+              <a:defRPr/>
+            </a:pPr>
+            <a:r>
+              <a:rPr lang="en-US" sz="2800" dirty="0" smtClean="0"/>
+              <a:t>Defect Super Class</a:t>
+            </a:r>
+          </a:p>
+          <a:p>
+            <a:pPr marL="571500" marR="0" lvl="0" indent="-571500" algn="ctr" defTabSz="914400" eaLnBrk="1" fontAlgn="auto" latinLnBrk="0" hangingPunct="1">
+              <a:lnSpc>
+                <a:spcPct val="100000"/>
+              </a:lnSpc>
+              <a:spcBef>
+                <a:spcPts val="0"/>
+              </a:spcBef>
+              <a:spcAft>
+                <a:spcPts val="0"/>
+              </a:spcAft>
+              <a:buClrTx/>
+              <a:buSzTx/>
+              <a:buFont typeface="Arial" charset="0"/>
+              <a:buNone/>
+              <a:tabLst/>
+              <a:defRPr/>
+            </a:pPr>
+            <a:r>
+              <a:rPr lang="en-US" sz="2800" dirty="0" smtClean="0"/>
+              <a:t>T, B, W</a:t>
+            </a:r>
+          </a:p>
+          <a:p>
+            <a:pPr marL="571500" marR="0" lvl="0" indent="-571500" algn="ctr" defTabSz="914400" eaLnBrk="1" fontAlgn="auto" latinLnBrk="0" hangingPunct="1">
+              <a:lnSpc>
+                <a:spcPct val="100000"/>
+              </a:lnSpc>
+              <a:spcBef>
+                <a:spcPts val="0"/>
+              </a:spcBef>
+              <a:spcAft>
+                <a:spcPts val="0"/>
+              </a:spcAft>
+              <a:buClrTx/>
+              <a:buSzTx/>
+              <a:buFont typeface="Arial" charset="0"/>
+              <a:buNone/>
+              <a:tabLst/>
+              <a:defRPr/>
+            </a:pPr>
+            <a:r>
+              <a:rPr lang="en-US" sz="2800" dirty="0" smtClean="0"/>
+              <a:t>Classification</a:t>
+            </a:r>
+            <a:endParaRPr lang="en-US" sz="2800" dirty="0"/>
+          </a:p>
+        </p:txBody>
+      </p:sp>
+      <p:sp>
+        <p:nvSpPr>
+          <p:cNvPr id="135" name="Rectangle 134"/>
+          <p:cNvSpPr/>
+          <p:nvPr/>
+        </p:nvSpPr>
+        <p:spPr>
+          <a:xfrm>
+            <a:off x="9868329" y="25689221"/>
+            <a:ext cx="3026584" cy="1461602"/>
+          </a:xfrm>
+          <a:prstGeom prst="rect">
+            <a:avLst/>
+          </a:prstGeom>
+        </p:spPr>
+        <p:style>
+          <a:lnRef idx="2">
+            <a:schemeClr val="accent1">
+              <a:shade val="50000"/>
+            </a:schemeClr>
+          </a:lnRef>
+          <a:fillRef idx="1">
+            <a:schemeClr val="accent1"/>
+          </a:fillRef>
+          <a:effectRef idx="0">
+            <a:schemeClr val="accent1"/>
+          </a:effectRef>
+          <a:fontRef idx="minor">
+            <a:schemeClr val="lt1"/>
+          </a:fontRef>
+        </p:style>
+        <p:txBody>
+          <a:bodyPr rtlCol="0" anchor="t"/>
+          <a:lstStyle/>
+          <a:p>
+            <a:pPr marL="571500" marR="0" lvl="0" indent="-571500" algn="ctr" defTabSz="914400" eaLnBrk="1" fontAlgn="auto" latinLnBrk="0" hangingPunct="1">
+              <a:lnSpc>
+                <a:spcPct val="100000"/>
+              </a:lnSpc>
+              <a:spcBef>
+                <a:spcPts val="0"/>
+              </a:spcBef>
+              <a:spcAft>
+                <a:spcPts val="0"/>
+              </a:spcAft>
+              <a:buClrTx/>
+              <a:buSzTx/>
+              <a:buFont typeface="Arial" charset="0"/>
+              <a:buNone/>
+              <a:tabLst/>
+              <a:defRPr/>
+            </a:pPr>
+            <a:r>
+              <a:rPr lang="en-US" sz="2800" dirty="0" smtClean="0"/>
+              <a:t>Defect</a:t>
+            </a:r>
+          </a:p>
+          <a:p>
+            <a:pPr marL="571500" marR="0" lvl="0" indent="-571500" algn="ctr" defTabSz="914400" eaLnBrk="1" fontAlgn="auto" latinLnBrk="0" hangingPunct="1">
+              <a:lnSpc>
+                <a:spcPct val="100000"/>
+              </a:lnSpc>
+              <a:spcBef>
+                <a:spcPts val="0"/>
+              </a:spcBef>
+              <a:spcAft>
+                <a:spcPts val="0"/>
+              </a:spcAft>
+              <a:buClrTx/>
+              <a:buSzTx/>
+              <a:buFont typeface="Arial" charset="0"/>
+              <a:buNone/>
+              <a:tabLst/>
+              <a:defRPr/>
+            </a:pPr>
+            <a:r>
+              <a:rPr lang="en-US" sz="2800" dirty="0" smtClean="0"/>
+              <a:t>TDD, TD, TDT</a:t>
+            </a:r>
+          </a:p>
+          <a:p>
+            <a:pPr marL="571500" marR="0" lvl="0" indent="-571500" algn="ctr" defTabSz="914400" eaLnBrk="1" fontAlgn="auto" latinLnBrk="0" hangingPunct="1">
+              <a:lnSpc>
+                <a:spcPct val="100000"/>
+              </a:lnSpc>
+              <a:spcBef>
+                <a:spcPts val="0"/>
+              </a:spcBef>
+              <a:spcAft>
+                <a:spcPts val="0"/>
+              </a:spcAft>
+              <a:buClrTx/>
+              <a:buSzTx/>
+              <a:buFont typeface="Arial" charset="0"/>
+              <a:buNone/>
+              <a:tabLst/>
+              <a:defRPr/>
+            </a:pPr>
+            <a:r>
+              <a:rPr lang="en-US" sz="2800" dirty="0" smtClean="0"/>
+              <a:t>Classification</a:t>
+            </a:r>
+            <a:endParaRPr lang="en-US" sz="2800" dirty="0"/>
+          </a:p>
+        </p:txBody>
+      </p:sp>
+      <p:sp>
+        <p:nvSpPr>
+          <p:cNvPr id="138" name="Rectangle 137"/>
+          <p:cNvSpPr/>
+          <p:nvPr/>
+        </p:nvSpPr>
+        <p:spPr>
+          <a:xfrm>
+            <a:off x="9868329" y="27368763"/>
+            <a:ext cx="3026584" cy="1461602"/>
+          </a:xfrm>
+          <a:prstGeom prst="rect">
+            <a:avLst/>
+          </a:prstGeom>
+        </p:spPr>
+        <p:style>
+          <a:lnRef idx="2">
+            <a:schemeClr val="accent1">
+              <a:shade val="50000"/>
+            </a:schemeClr>
+          </a:lnRef>
+          <a:fillRef idx="1">
+            <a:schemeClr val="accent1"/>
+          </a:fillRef>
+          <a:effectRef idx="0">
+            <a:schemeClr val="accent1"/>
+          </a:effectRef>
+          <a:fontRef idx="minor">
+            <a:schemeClr val="lt1"/>
+          </a:fontRef>
+        </p:style>
+        <p:txBody>
+          <a:bodyPr rtlCol="0" anchor="t"/>
+          <a:lstStyle/>
+          <a:p>
+            <a:pPr marL="571500" marR="0" lvl="0" indent="-571500" algn="ctr" defTabSz="914400" eaLnBrk="1" fontAlgn="auto" latinLnBrk="0" hangingPunct="1">
+              <a:lnSpc>
+                <a:spcPct val="100000"/>
+              </a:lnSpc>
+              <a:spcBef>
+                <a:spcPts val="0"/>
+              </a:spcBef>
+              <a:spcAft>
+                <a:spcPts val="0"/>
+              </a:spcAft>
+              <a:buClrTx/>
+              <a:buSzTx/>
+              <a:buFont typeface="Arial" charset="0"/>
+              <a:buNone/>
+              <a:tabLst/>
+              <a:defRPr/>
+            </a:pPr>
+            <a:r>
+              <a:rPr lang="en-US" sz="2800" dirty="0"/>
+              <a:t>Defect</a:t>
+            </a:r>
+          </a:p>
+          <a:p>
+            <a:pPr marL="571500" marR="0" lvl="0" indent="-571500" algn="ctr" defTabSz="914400" eaLnBrk="1" fontAlgn="auto" latinLnBrk="0" hangingPunct="1">
+              <a:lnSpc>
+                <a:spcPct val="100000"/>
+              </a:lnSpc>
+              <a:spcBef>
+                <a:spcPts val="0"/>
+              </a:spcBef>
+              <a:spcAft>
+                <a:spcPts val="0"/>
+              </a:spcAft>
+              <a:buClrTx/>
+              <a:buSzTx/>
+              <a:buFont typeface="Arial" charset="0"/>
+              <a:buNone/>
+              <a:tabLst/>
+              <a:defRPr/>
+            </a:pPr>
+            <a:r>
+              <a:rPr lang="en-US" sz="2800" dirty="0" smtClean="0"/>
+              <a:t>BRO, BHB, BB</a:t>
+            </a:r>
+            <a:endParaRPr lang="en-US" sz="2800" dirty="0"/>
+          </a:p>
+          <a:p>
+            <a:pPr marL="571500" marR="0" lvl="0" indent="-571500" algn="ctr" defTabSz="914400" eaLnBrk="1" fontAlgn="auto" latinLnBrk="0" hangingPunct="1">
+              <a:lnSpc>
+                <a:spcPct val="100000"/>
+              </a:lnSpc>
+              <a:spcBef>
+                <a:spcPts val="0"/>
+              </a:spcBef>
+              <a:spcAft>
+                <a:spcPts val="0"/>
+              </a:spcAft>
+              <a:buClrTx/>
+              <a:buSzTx/>
+              <a:buFont typeface="Arial" charset="0"/>
+              <a:buNone/>
+              <a:tabLst/>
+              <a:defRPr/>
+            </a:pPr>
+            <a:r>
+              <a:rPr lang="en-US" sz="2800" dirty="0"/>
+              <a:t>Classification</a:t>
+            </a:r>
+            <a:endParaRPr lang="en-US" sz="2800" dirty="0"/>
+          </a:p>
+        </p:txBody>
+      </p:sp>
+      <p:sp>
+        <p:nvSpPr>
+          <p:cNvPr id="139" name="Rectangle 138"/>
+          <p:cNvSpPr/>
+          <p:nvPr/>
+        </p:nvSpPr>
+        <p:spPr>
+          <a:xfrm>
+            <a:off x="9868329" y="29094576"/>
+            <a:ext cx="3026584" cy="1461602"/>
+          </a:xfrm>
+          <a:prstGeom prst="rect">
+            <a:avLst/>
+          </a:prstGeom>
+        </p:spPr>
+        <p:style>
+          <a:lnRef idx="2">
+            <a:schemeClr val="accent1">
+              <a:shade val="50000"/>
+            </a:schemeClr>
+          </a:lnRef>
+          <a:fillRef idx="1">
+            <a:schemeClr val="accent1"/>
+          </a:fillRef>
+          <a:effectRef idx="0">
+            <a:schemeClr val="accent1"/>
+          </a:effectRef>
+          <a:fontRef idx="minor">
+            <a:schemeClr val="lt1"/>
+          </a:fontRef>
+        </p:style>
+        <p:txBody>
+          <a:bodyPr rtlCol="0" anchor="t"/>
+          <a:lstStyle/>
+          <a:p>
+            <a:pPr marL="571500" marR="0" lvl="0" indent="-571500" algn="ctr" defTabSz="914400" eaLnBrk="1" fontAlgn="auto" latinLnBrk="0" hangingPunct="1">
+              <a:lnSpc>
+                <a:spcPct val="100000"/>
+              </a:lnSpc>
+              <a:spcBef>
+                <a:spcPts val="0"/>
+              </a:spcBef>
+              <a:spcAft>
+                <a:spcPts val="0"/>
+              </a:spcAft>
+              <a:buClrTx/>
+              <a:buSzTx/>
+              <a:buFont typeface="Arial" charset="0"/>
+              <a:buNone/>
+              <a:tabLst/>
+              <a:defRPr/>
+            </a:pPr>
+            <a:r>
+              <a:rPr lang="en-US" sz="2800" dirty="0"/>
+              <a:t>Defect</a:t>
+            </a:r>
+          </a:p>
+          <a:p>
+            <a:pPr marL="571500" marR="0" lvl="0" indent="-571500" algn="ctr" defTabSz="914400" eaLnBrk="1" fontAlgn="auto" latinLnBrk="0" hangingPunct="1">
+              <a:lnSpc>
+                <a:spcPct val="100000"/>
+              </a:lnSpc>
+              <a:spcBef>
+                <a:spcPts val="0"/>
+              </a:spcBef>
+              <a:spcAft>
+                <a:spcPts val="0"/>
+              </a:spcAft>
+              <a:buClrTx/>
+              <a:buSzTx/>
+              <a:buFont typeface="Arial" charset="0"/>
+              <a:buNone/>
+              <a:tabLst/>
+              <a:defRPr/>
+            </a:pPr>
+            <a:r>
+              <a:rPr lang="en-US" sz="2800" dirty="0" smtClean="0"/>
+              <a:t>HW, HWJ, OAW, SW</a:t>
+            </a:r>
+            <a:endParaRPr lang="en-US" sz="2800" dirty="0"/>
+          </a:p>
+          <a:p>
+            <a:pPr marL="571500" marR="0" lvl="0" indent="-571500" algn="ctr" defTabSz="914400" eaLnBrk="1" fontAlgn="auto" latinLnBrk="0" hangingPunct="1">
+              <a:lnSpc>
+                <a:spcPct val="100000"/>
+              </a:lnSpc>
+              <a:spcBef>
+                <a:spcPts val="0"/>
+              </a:spcBef>
+              <a:spcAft>
+                <a:spcPts val="0"/>
+              </a:spcAft>
+              <a:buClrTx/>
+              <a:buSzTx/>
+              <a:buFont typeface="Arial" charset="0"/>
+              <a:buNone/>
+              <a:tabLst/>
+              <a:defRPr/>
+            </a:pPr>
+            <a:r>
+              <a:rPr lang="en-US" sz="2800" dirty="0"/>
+              <a:t>Classification</a:t>
+            </a:r>
+            <a:endParaRPr lang="en-US" sz="2800" dirty="0"/>
+          </a:p>
+        </p:txBody>
+      </p:sp>
+      <p:cxnSp>
+        <p:nvCxnSpPr>
+          <p:cNvPr id="69" name="Elbow Connector 68"/>
+          <p:cNvCxnSpPr>
+            <a:stCxn id="125" idx="3"/>
+            <a:endCxn id="135" idx="1"/>
+          </p:cNvCxnSpPr>
+          <p:nvPr/>
+        </p:nvCxnSpPr>
+        <p:spPr>
+          <a:xfrm flipV="1">
+            <a:off x="7783943" y="26420022"/>
+            <a:ext cx="2084386" cy="5498"/>
+          </a:xfrm>
+          <a:prstGeom prst="bentConnector3">
+            <a:avLst>
+              <a:gd name="adj1" fmla="val 50000"/>
+            </a:avLst>
+          </a:prstGeom>
+          <a:ln>
+            <a:tailEnd type="triangle"/>
+          </a:ln>
+        </p:spPr>
+        <p:style>
+          <a:lnRef idx="1">
+            <a:schemeClr val="accent1"/>
+          </a:lnRef>
+          <a:fillRef idx="0">
+            <a:schemeClr val="accent1"/>
+          </a:fillRef>
+          <a:effectRef idx="0">
+            <a:schemeClr val="accent1"/>
+          </a:effectRef>
+          <a:fontRef idx="minor">
+            <a:schemeClr val="tx1"/>
+          </a:fontRef>
+        </p:style>
+      </p:cxnSp>
+      <p:cxnSp>
+        <p:nvCxnSpPr>
+          <p:cNvPr id="83" name="Straight Arrow Connector 82"/>
+          <p:cNvCxnSpPr>
+            <a:stCxn id="125" idx="3"/>
+            <a:endCxn id="138" idx="1"/>
+          </p:cNvCxnSpPr>
+          <p:nvPr/>
+        </p:nvCxnSpPr>
+        <p:spPr>
+          <a:xfrm>
+            <a:off x="7783943" y="26425520"/>
+            <a:ext cx="2084386" cy="1674044"/>
+          </a:xfrm>
+          <a:prstGeom prst="bentConnector3">
+            <a:avLst>
+              <a:gd name="adj1" fmla="val 50000"/>
+            </a:avLst>
+          </a:prstGeom>
+          <a:ln>
+            <a:tailEnd type="triangle"/>
+          </a:ln>
+        </p:spPr>
+        <p:style>
+          <a:lnRef idx="1">
+            <a:schemeClr val="accent1"/>
+          </a:lnRef>
+          <a:fillRef idx="0">
+            <a:schemeClr val="accent1"/>
+          </a:fillRef>
+          <a:effectRef idx="0">
+            <a:schemeClr val="accent1"/>
+          </a:effectRef>
+          <a:fontRef idx="minor">
+            <a:schemeClr val="tx1"/>
+          </a:fontRef>
+        </p:style>
+      </p:cxnSp>
+      <p:cxnSp>
+        <p:nvCxnSpPr>
+          <p:cNvPr id="140" name="Straight Arrow Connector 139"/>
+          <p:cNvCxnSpPr>
+            <a:stCxn id="125" idx="3"/>
+            <a:endCxn id="139" idx="1"/>
+          </p:cNvCxnSpPr>
+          <p:nvPr/>
+        </p:nvCxnSpPr>
+        <p:spPr>
+          <a:xfrm>
+            <a:off x="7783943" y="26425520"/>
+            <a:ext cx="2084386" cy="3399857"/>
+          </a:xfrm>
+          <a:prstGeom prst="bentConnector3">
+            <a:avLst>
+              <a:gd name="adj1" fmla="val 50000"/>
+            </a:avLst>
+          </a:prstGeom>
+          <a:ln>
+            <a:tailEnd type="triangle"/>
+          </a:ln>
+        </p:spPr>
+        <p:style>
+          <a:lnRef idx="1">
+            <a:schemeClr val="accent1"/>
+          </a:lnRef>
+          <a:fillRef idx="0">
+            <a:schemeClr val="accent1"/>
+          </a:fillRef>
+          <a:effectRef idx="0">
+            <a:schemeClr val="accent1"/>
+          </a:effectRef>
+          <a:fontRef idx="minor">
+            <a:schemeClr val="tx1"/>
+          </a:fontRef>
+        </p:style>
+      </p:cxnSp>
+      <p:grpSp>
+        <p:nvGrpSpPr>
+          <p:cNvPr id="157" name="Group 156"/>
+          <p:cNvGrpSpPr/>
+          <p:nvPr/>
+        </p:nvGrpSpPr>
+        <p:grpSpPr>
+          <a:xfrm>
+            <a:off x="4865557" y="30546846"/>
+            <a:ext cx="7958928" cy="4264187"/>
+            <a:chOff x="-7926788" y="30962496"/>
+            <a:chExt cx="6687966" cy="3535274"/>
+          </a:xfrm>
+        </p:grpSpPr>
+        <p:pic>
+          <p:nvPicPr>
+            <p:cNvPr id="118" name="Picture 117"/>
+            <p:cNvPicPr>
+              <a:picLocks noChangeAspect="1"/>
+            </p:cNvPicPr>
+            <p:nvPr/>
+          </p:nvPicPr>
+          <p:blipFill>
+            <a:blip r:embed="rId14">
+              <a:extLst>
+                <a:ext uri="{28A0092B-C50C-407E-A947-70E740481C1C}">
+                  <a14:useLocalDpi xmlns:a14="http://schemas.microsoft.com/office/drawing/2010/main" val="0"/>
+                </a:ext>
+              </a:extLst>
+            </a:blip>
+            <a:stretch>
+              <a:fillRect/>
+            </a:stretch>
+          </p:blipFill>
+          <p:spPr>
+            <a:xfrm>
+              <a:off x="-4621892" y="30962496"/>
+              <a:ext cx="3383070" cy="3535274"/>
+            </a:xfrm>
+            <a:prstGeom prst="rect">
+              <a:avLst/>
+            </a:prstGeom>
+          </p:spPr>
+        </p:pic>
+        <p:pic>
+          <p:nvPicPr>
+            <p:cNvPr id="142" name="Picture 141"/>
+            <p:cNvPicPr>
+              <a:picLocks noChangeAspect="1"/>
+            </p:cNvPicPr>
+            <p:nvPr/>
+          </p:nvPicPr>
+          <p:blipFill>
+            <a:blip r:embed="rId15">
+              <a:extLst>
+                <a:ext uri="{28A0092B-C50C-407E-A947-70E740481C1C}">
+                  <a14:useLocalDpi xmlns:a14="http://schemas.microsoft.com/office/drawing/2010/main" val="0"/>
+                </a:ext>
+              </a:extLst>
+            </a:blip>
+            <a:stretch>
+              <a:fillRect/>
+            </a:stretch>
+          </p:blipFill>
+          <p:spPr>
+            <a:xfrm>
+              <a:off x="-7926788" y="31003422"/>
+              <a:ext cx="3200400" cy="3378935"/>
+            </a:xfrm>
+            <a:prstGeom prst="rect">
+              <a:avLst/>
+            </a:prstGeom>
+          </p:spPr>
+        </p:pic>
+      </p:grpSp>
+      <p:sp>
+        <p:nvSpPr>
+          <p:cNvPr id="158" name="Rectangle 157"/>
+          <p:cNvSpPr/>
+          <p:nvPr/>
+        </p:nvSpPr>
+        <p:spPr>
+          <a:xfrm>
+            <a:off x="5207800" y="30835530"/>
+            <a:ext cx="1233459" cy="1131635"/>
+          </a:xfrm>
+          <a:prstGeom prst="rect">
+            <a:avLst/>
+          </a:prstGeom>
+          <a:noFill/>
+          <a:ln w="50800">
+            <a:solidFill>
+              <a:schemeClr val="accent2"/>
+            </a:solidFill>
+          </a:ln>
+        </p:spPr>
+        <p:style>
+          <a:lnRef idx="2">
+            <a:schemeClr val="accent1">
+              <a:shade val="50000"/>
+            </a:schemeClr>
+          </a:lnRef>
+          <a:fillRef idx="1">
+            <a:schemeClr val="accent1"/>
+          </a:fillRef>
+          <a:effectRef idx="0">
+            <a:schemeClr val="accent1"/>
+          </a:effectRef>
+          <a:fontRef idx="minor">
+            <a:schemeClr val="lt1"/>
+          </a:fontRef>
+        </p:style>
+        <p:txBody>
+          <a:bodyPr rtlCol="0" anchor="ctr"/>
+          <a:lstStyle/>
+          <a:p>
+            <a:pPr algn="ctr"/>
+            <a:endParaRPr lang="en-US"/>
+          </a:p>
+        </p:txBody>
+      </p:sp>
+      <p:sp>
+        <p:nvSpPr>
+          <p:cNvPr id="162" name="Rectangle 161"/>
+          <p:cNvSpPr/>
+          <p:nvPr/>
+        </p:nvSpPr>
+        <p:spPr>
+          <a:xfrm>
+            <a:off x="9251599" y="30748619"/>
+            <a:ext cx="3572886" cy="3573926"/>
+          </a:xfrm>
+          <a:prstGeom prst="rect">
+            <a:avLst/>
+          </a:prstGeom>
+          <a:noFill/>
+          <a:ln w="50800">
+            <a:solidFill>
+              <a:schemeClr val="accent2"/>
+            </a:solidFill>
+          </a:ln>
+        </p:spPr>
+        <p:style>
+          <a:lnRef idx="2">
+            <a:schemeClr val="accent1">
+              <a:shade val="50000"/>
+            </a:schemeClr>
+          </a:lnRef>
+          <a:fillRef idx="1">
+            <a:schemeClr val="accent1"/>
+          </a:fillRef>
+          <a:effectRef idx="0">
+            <a:schemeClr val="accent1"/>
+          </a:effectRef>
+          <a:fontRef idx="minor">
+            <a:schemeClr val="lt1"/>
+          </a:fontRef>
+        </p:style>
+        <p:txBody>
+          <a:bodyPr rtlCol="0" anchor="ctr"/>
+          <a:lstStyle/>
+          <a:p>
+            <a:pPr algn="ctr"/>
+            <a:endParaRPr lang="en-US"/>
+          </a:p>
+        </p:txBody>
+      </p:sp>
+      <p:cxnSp>
+        <p:nvCxnSpPr>
+          <p:cNvPr id="161" name="Straight Arrow Connector 160"/>
+          <p:cNvCxnSpPr/>
+          <p:nvPr/>
+        </p:nvCxnSpPr>
+        <p:spPr>
+          <a:xfrm>
+            <a:off x="6470339" y="30835530"/>
+            <a:ext cx="2713088" cy="0"/>
+          </a:xfrm>
+          <a:prstGeom prst="straightConnector1">
+            <a:avLst/>
+          </a:prstGeom>
+          <a:ln w="50800">
+            <a:solidFill>
+              <a:schemeClr val="accent2"/>
+            </a:solidFill>
+            <a:tailEnd type="triangle"/>
+          </a:ln>
+        </p:spPr>
+        <p:style>
+          <a:lnRef idx="1">
+            <a:schemeClr val="accent1"/>
+          </a:lnRef>
+          <a:fillRef idx="0">
+            <a:schemeClr val="accent1"/>
+          </a:fillRef>
+          <a:effectRef idx="0">
+            <a:schemeClr val="accent1"/>
+          </a:effectRef>
+          <a:fontRef idx="minor">
+            <a:schemeClr val="tx1"/>
+          </a:fontRef>
+        </p:style>
+      </p:cxnSp>
+      <p:cxnSp>
+        <p:nvCxnSpPr>
+          <p:cNvPr id="165" name="Straight Arrow Connector 164"/>
+          <p:cNvCxnSpPr/>
+          <p:nvPr/>
+        </p:nvCxnSpPr>
+        <p:spPr>
+          <a:xfrm>
+            <a:off x="5178271" y="31967165"/>
+            <a:ext cx="4073328" cy="2355380"/>
+          </a:xfrm>
+          <a:prstGeom prst="straightConnector1">
+            <a:avLst/>
+          </a:prstGeom>
+          <a:ln w="50800">
+            <a:solidFill>
+              <a:schemeClr val="accent2"/>
+            </a:solidFill>
+            <a:tailEnd type="triangle"/>
+          </a:ln>
+        </p:spPr>
+        <p:style>
+          <a:lnRef idx="1">
+            <a:schemeClr val="accent1"/>
+          </a:lnRef>
+          <a:fillRef idx="0">
+            <a:schemeClr val="accent1"/>
+          </a:fillRef>
+          <a:effectRef idx="0">
+            <a:schemeClr val="accent1"/>
+          </a:effectRef>
+          <a:fontRef idx="minor">
+            <a:schemeClr val="tx1"/>
+          </a:fontRef>
+        </p:style>
+      </p:cxnSp>
     </p:spTree>
   </p:cSld>
   <p:clrMapOvr>
